--- a/fig/compare_0.3.pptx
+++ b/fig/compare_0.3.pptx
@@ -104,6 +104,11 @@
       </a:defRPr>
     </a:lvl9pPr>
   </p:defaultTextStyle>
+  <p:extLst>
+    <p:ext uri="{EFAFB233-063F-42B5-8137-9DF3F51BA10A}">
+      <p15:sldGuideLst xmlns:p15="http://schemas.microsoft.com/office/powerpoint/2012/main"/>
+    </p:ext>
+  </p:extLst>
 </p:presentation>
 </file>
 
@@ -238,7 +243,7 @@
           <a:p>
             <a:fld id="{6B4EF54D-D087-4535-956D-83445A2315A1}" type="datetimeFigureOut">
               <a:rPr lang="zh-CN" altLang="en-US" smtClean="0"/>
-              <a:t>2019/1/11</a:t>
+              <a:t>2019/1/28</a:t>
             </a:fld>
             <a:endParaRPr lang="zh-CN" altLang="en-US"/>
           </a:p>
@@ -408,7 +413,7 @@
           <a:p>
             <a:fld id="{6B4EF54D-D087-4535-956D-83445A2315A1}" type="datetimeFigureOut">
               <a:rPr lang="zh-CN" altLang="en-US" smtClean="0"/>
-              <a:t>2019/1/11</a:t>
+              <a:t>2019/1/28</a:t>
             </a:fld>
             <a:endParaRPr lang="zh-CN" altLang="en-US"/>
           </a:p>
@@ -588,7 +593,7 @@
           <a:p>
             <a:fld id="{6B4EF54D-D087-4535-956D-83445A2315A1}" type="datetimeFigureOut">
               <a:rPr lang="zh-CN" altLang="en-US" smtClean="0"/>
-              <a:t>2019/1/11</a:t>
+              <a:t>2019/1/28</a:t>
             </a:fld>
             <a:endParaRPr lang="zh-CN" altLang="en-US"/>
           </a:p>
@@ -758,7 +763,7 @@
           <a:p>
             <a:fld id="{6B4EF54D-D087-4535-956D-83445A2315A1}" type="datetimeFigureOut">
               <a:rPr lang="zh-CN" altLang="en-US" smtClean="0"/>
-              <a:t>2019/1/11</a:t>
+              <a:t>2019/1/28</a:t>
             </a:fld>
             <a:endParaRPr lang="zh-CN" altLang="en-US"/>
           </a:p>
@@ -1002,7 +1007,7 @@
           <a:p>
             <a:fld id="{6B4EF54D-D087-4535-956D-83445A2315A1}" type="datetimeFigureOut">
               <a:rPr lang="zh-CN" altLang="en-US" smtClean="0"/>
-              <a:t>2019/1/11</a:t>
+              <a:t>2019/1/28</a:t>
             </a:fld>
             <a:endParaRPr lang="zh-CN" altLang="en-US"/>
           </a:p>
@@ -1234,7 +1239,7 @@
           <a:p>
             <a:fld id="{6B4EF54D-D087-4535-956D-83445A2315A1}" type="datetimeFigureOut">
               <a:rPr lang="zh-CN" altLang="en-US" smtClean="0"/>
-              <a:t>2019/1/11</a:t>
+              <a:t>2019/1/28</a:t>
             </a:fld>
             <a:endParaRPr lang="zh-CN" altLang="en-US"/>
           </a:p>
@@ -1601,7 +1606,7 @@
           <a:p>
             <a:fld id="{6B4EF54D-D087-4535-956D-83445A2315A1}" type="datetimeFigureOut">
               <a:rPr lang="zh-CN" altLang="en-US" smtClean="0"/>
-              <a:t>2019/1/11</a:t>
+              <a:t>2019/1/28</a:t>
             </a:fld>
             <a:endParaRPr lang="zh-CN" altLang="en-US"/>
           </a:p>
@@ -1719,7 +1724,7 @@
           <a:p>
             <a:fld id="{6B4EF54D-D087-4535-956D-83445A2315A1}" type="datetimeFigureOut">
               <a:rPr lang="zh-CN" altLang="en-US" smtClean="0"/>
-              <a:t>2019/1/11</a:t>
+              <a:t>2019/1/28</a:t>
             </a:fld>
             <a:endParaRPr lang="zh-CN" altLang="en-US"/>
           </a:p>
@@ -1814,7 +1819,7 @@
           <a:p>
             <a:fld id="{6B4EF54D-D087-4535-956D-83445A2315A1}" type="datetimeFigureOut">
               <a:rPr lang="zh-CN" altLang="en-US" smtClean="0"/>
-              <a:t>2019/1/11</a:t>
+              <a:t>2019/1/28</a:t>
             </a:fld>
             <a:endParaRPr lang="zh-CN" altLang="en-US"/>
           </a:p>
@@ -2091,7 +2096,7 @@
           <a:p>
             <a:fld id="{6B4EF54D-D087-4535-956D-83445A2315A1}" type="datetimeFigureOut">
               <a:rPr lang="zh-CN" altLang="en-US" smtClean="0"/>
-              <a:t>2019/1/11</a:t>
+              <a:t>2019/1/28</a:t>
             </a:fld>
             <a:endParaRPr lang="zh-CN" altLang="en-US"/>
           </a:p>
@@ -2348,7 +2353,7 @@
           <a:p>
             <a:fld id="{6B4EF54D-D087-4535-956D-83445A2315A1}" type="datetimeFigureOut">
               <a:rPr lang="zh-CN" altLang="en-US" smtClean="0"/>
-              <a:t>2019/1/11</a:t>
+              <a:t>2019/1/28</a:t>
             </a:fld>
             <a:endParaRPr lang="zh-CN" altLang="en-US"/>
           </a:p>
@@ -2561,7 +2566,7 @@
           <a:p>
             <a:fld id="{6B4EF54D-D087-4535-956D-83445A2315A1}" type="datetimeFigureOut">
               <a:rPr lang="zh-CN" altLang="en-US" smtClean="0"/>
-              <a:t>2019/1/11</a:t>
+              <a:t>2019/1/28</a:t>
             </a:fld>
             <a:endParaRPr lang="zh-CN" altLang="en-US"/>
           </a:p>
@@ -3077,7 +3082,7 @@
         <p:spPr>
           <a:xfrm>
             <a:off x="57094" y="6471970"/>
-            <a:ext cx="1513513" cy="368566"/>
+            <a:ext cx="2238113" cy="384721"/>
           </a:xfrm>
           <a:prstGeom prst="rect">
             <a:avLst/>
@@ -3091,11 +3096,18 @@
           <a:lstStyle/>
           <a:p>
             <a:r>
+              <a:rPr lang="en-US" altLang="zh-CN" sz="1900" smtClean="0">
+                <a:latin typeface="Times New Roman" panose="02020603050405020304" pitchFamily="18" charset="0"/>
+                <a:cs typeface="Times New Roman" panose="02020603050405020304" pitchFamily="18" charset="0"/>
+              </a:rPr>
+              <a:t>CAE-ADMM </a:t>
+            </a:r>
+            <a:r>
               <a:rPr lang="en-US" altLang="zh-CN" sz="1900" dirty="0">
                 <a:latin typeface="Times New Roman" panose="02020603050405020304" pitchFamily="18" charset="0"/>
                 <a:cs typeface="Times New Roman" panose="02020603050405020304" pitchFamily="18" charset="0"/>
               </a:rPr>
-              <a:t>CAE-P (Ours)</a:t>
+              <a:t>(Ours)</a:t>
             </a:r>
             <a:endParaRPr lang="zh-CN" altLang="en-US" sz="1900" dirty="0">
               <a:latin typeface="Times New Roman" panose="02020603050405020304" pitchFamily="18" charset="0"/>
